--- a/массивы.pptx
+++ b/массивы.pptx
@@ -9,7 +9,12 @@
     <p:sldId id="257" r:id="rId3"/>
     <p:sldId id="259" r:id="rId4"/>
     <p:sldId id="261" r:id="rId5"/>
-    <p:sldId id="262" r:id="rId6"/>
+    <p:sldId id="263" r:id="rId6"/>
+    <p:sldId id="264" r:id="rId7"/>
+    <p:sldId id="262" r:id="rId8"/>
+    <p:sldId id="265" r:id="rId9"/>
+    <p:sldId id="267" r:id="rId10"/>
+    <p:sldId id="266" r:id="rId11"/>
   </p:sldIdLst>
   <p:sldSz cx="12192000" cy="6858000"/>
   <p:notesSz cx="6858000" cy="9144000"/>
@@ -108,6 +113,11 @@
       </a:defRPr>
     </a:lvl9pPr>
   </p:defaultTextStyle>
+  <p:extLst>
+    <p:ext uri="{EFAFB233-063F-42B5-8137-9DF3F51BA10A}">
+      <p15:sldGuideLst xmlns:p15="http://schemas.microsoft.com/office/powerpoint/2012/main"/>
+    </p:ext>
+  </p:extLst>
 </p:presentation>
 </file>
 
@@ -297,7 +307,7 @@
           <a:p>
             <a:fld id="{D7E27BA0-FE45-4285-80D4-97D1641B4004}" type="datetimeFigureOut">
               <a:rPr lang="ru-RU" smtClean="0"/>
-              <a:t>04.05.2021</a:t>
+              <a:t>05.05.2021</a:t>
             </a:fld>
             <a:endParaRPr lang="ru-RU"/>
           </a:p>
@@ -572,7 +582,7 @@
           <a:p>
             <a:fld id="{D7E27BA0-FE45-4285-80D4-97D1641B4004}" type="datetimeFigureOut">
               <a:rPr lang="ru-RU" smtClean="0"/>
-              <a:t>04.05.2021</a:t>
+              <a:t>05.05.2021</a:t>
             </a:fld>
             <a:endParaRPr lang="ru-RU"/>
           </a:p>
@@ -766,7 +776,7 @@
           <a:p>
             <a:fld id="{D7E27BA0-FE45-4285-80D4-97D1641B4004}" type="datetimeFigureOut">
               <a:rPr lang="ru-RU" smtClean="0"/>
-              <a:t>04.05.2021</a:t>
+              <a:t>05.05.2021</a:t>
             </a:fld>
             <a:endParaRPr lang="ru-RU"/>
           </a:p>
@@ -1039,7 +1049,7 @@
           <a:p>
             <a:fld id="{D7E27BA0-FE45-4285-80D4-97D1641B4004}" type="datetimeFigureOut">
               <a:rPr lang="ru-RU" smtClean="0"/>
-              <a:t>04.05.2021</a:t>
+              <a:t>05.05.2021</a:t>
             </a:fld>
             <a:endParaRPr lang="ru-RU"/>
           </a:p>
@@ -1380,7 +1390,7 @@
           <a:p>
             <a:fld id="{D7E27BA0-FE45-4285-80D4-97D1641B4004}" type="datetimeFigureOut">
               <a:rPr lang="ru-RU" smtClean="0"/>
-              <a:t>04.05.2021</a:t>
+              <a:t>05.05.2021</a:t>
             </a:fld>
             <a:endParaRPr lang="ru-RU"/>
           </a:p>
@@ -2003,7 +2013,7 @@
           <a:p>
             <a:fld id="{D7E27BA0-FE45-4285-80D4-97D1641B4004}" type="datetimeFigureOut">
               <a:rPr lang="ru-RU" smtClean="0"/>
-              <a:t>04.05.2021</a:t>
+              <a:t>05.05.2021</a:t>
             </a:fld>
             <a:endParaRPr lang="ru-RU"/>
           </a:p>
@@ -2863,7 +2873,7 @@
           <a:p>
             <a:fld id="{D7E27BA0-FE45-4285-80D4-97D1641B4004}" type="datetimeFigureOut">
               <a:rPr lang="ru-RU" smtClean="0"/>
-              <a:t>04.05.2021</a:t>
+              <a:t>05.05.2021</a:t>
             </a:fld>
             <a:endParaRPr lang="ru-RU"/>
           </a:p>
@@ -3033,7 +3043,7 @@
           <a:p>
             <a:fld id="{D7E27BA0-FE45-4285-80D4-97D1641B4004}" type="datetimeFigureOut">
               <a:rPr lang="ru-RU" smtClean="0"/>
-              <a:t>04.05.2021</a:t>
+              <a:t>05.05.2021</a:t>
             </a:fld>
             <a:endParaRPr lang="ru-RU"/>
           </a:p>
@@ -3213,7 +3223,7 @@
           <a:p>
             <a:fld id="{D7E27BA0-FE45-4285-80D4-97D1641B4004}" type="datetimeFigureOut">
               <a:rPr lang="ru-RU" smtClean="0"/>
-              <a:t>04.05.2021</a:t>
+              <a:t>05.05.2021</a:t>
             </a:fld>
             <a:endParaRPr lang="ru-RU"/>
           </a:p>
@@ -3383,7 +3393,7 @@
           <a:p>
             <a:fld id="{D7E27BA0-FE45-4285-80D4-97D1641B4004}" type="datetimeFigureOut">
               <a:rPr lang="ru-RU" smtClean="0"/>
-              <a:t>04.05.2021</a:t>
+              <a:t>05.05.2021</a:t>
             </a:fld>
             <a:endParaRPr lang="ru-RU"/>
           </a:p>
@@ -3630,7 +3640,7 @@
           <a:p>
             <a:fld id="{D7E27BA0-FE45-4285-80D4-97D1641B4004}" type="datetimeFigureOut">
               <a:rPr lang="ru-RU" smtClean="0"/>
-              <a:t>04.05.2021</a:t>
+              <a:t>05.05.2021</a:t>
             </a:fld>
             <a:endParaRPr lang="ru-RU"/>
           </a:p>
@@ -3922,7 +3932,7 @@
           <a:p>
             <a:fld id="{D7E27BA0-FE45-4285-80D4-97D1641B4004}" type="datetimeFigureOut">
               <a:rPr lang="ru-RU" smtClean="0"/>
-              <a:t>04.05.2021</a:t>
+              <a:t>05.05.2021</a:t>
             </a:fld>
             <a:endParaRPr lang="ru-RU"/>
           </a:p>
@@ -4366,7 +4376,7 @@
           <a:p>
             <a:fld id="{D7E27BA0-FE45-4285-80D4-97D1641B4004}" type="datetimeFigureOut">
               <a:rPr lang="ru-RU" smtClean="0"/>
-              <a:t>04.05.2021</a:t>
+              <a:t>05.05.2021</a:t>
             </a:fld>
             <a:endParaRPr lang="ru-RU"/>
           </a:p>
@@ -4484,7 +4494,7 @@
           <a:p>
             <a:fld id="{D7E27BA0-FE45-4285-80D4-97D1641B4004}" type="datetimeFigureOut">
               <a:rPr lang="ru-RU" smtClean="0"/>
-              <a:t>04.05.2021</a:t>
+              <a:t>05.05.2021</a:t>
             </a:fld>
             <a:endParaRPr lang="ru-RU"/>
           </a:p>
@@ -4579,7 +4589,7 @@
           <a:p>
             <a:fld id="{D7E27BA0-FE45-4285-80D4-97D1641B4004}" type="datetimeFigureOut">
               <a:rPr lang="ru-RU" smtClean="0"/>
-              <a:t>04.05.2021</a:t>
+              <a:t>05.05.2021</a:t>
             </a:fld>
             <a:endParaRPr lang="ru-RU"/>
           </a:p>
@@ -4858,7 +4868,7 @@
           <a:p>
             <a:fld id="{D7E27BA0-FE45-4285-80D4-97D1641B4004}" type="datetimeFigureOut">
               <a:rPr lang="ru-RU" smtClean="0"/>
-              <a:t>04.05.2021</a:t>
+              <a:t>05.05.2021</a:t>
             </a:fld>
             <a:endParaRPr lang="ru-RU"/>
           </a:p>
@@ -5133,7 +5143,7 @@
           <a:p>
             <a:fld id="{D7E27BA0-FE45-4285-80D4-97D1641B4004}" type="datetimeFigureOut">
               <a:rPr lang="ru-RU" smtClean="0"/>
-              <a:t>04.05.2021</a:t>
+              <a:t>05.05.2021</a:t>
             </a:fld>
             <a:endParaRPr lang="ru-RU"/>
           </a:p>
@@ -5562,7 +5572,7 @@
           <a:p>
             <a:fld id="{D7E27BA0-FE45-4285-80D4-97D1641B4004}" type="datetimeFigureOut">
               <a:rPr lang="ru-RU" smtClean="0"/>
-              <a:t>04.05.2021</a:t>
+              <a:t>05.05.2021</a:t>
             </a:fld>
             <a:endParaRPr lang="ru-RU"/>
           </a:p>
@@ -6106,14 +6116,19 @@
             <p:ph type="ctrTitle"/>
           </p:nvPr>
         </p:nvSpPr>
-        <p:spPr/>
+        <p:spPr>
+          <a:xfrm>
+            <a:off x="1154955" y="1447800"/>
+            <a:ext cx="10042434" cy="3329581"/>
+          </a:xfrm>
+        </p:spPr>
         <p:txBody>
           <a:bodyPr/>
           <a:lstStyle/>
           <a:p>
             <a:r>
               <a:rPr lang="ru-RU" dirty="0"/>
-              <a:t>Массивы в </a:t>
+              <a:t>Программирование на </a:t>
             </a:r>
             <a:r>
               <a:rPr lang="en-US" dirty="0"/>
@@ -6141,11 +6156,13 @@
         </p:nvSpPr>
         <p:spPr/>
         <p:txBody>
-          <a:bodyPr/>
+          <a:bodyPr>
+            <a:normAutofit/>
+          </a:bodyPr>
           <a:lstStyle/>
           <a:p>
             <a:r>
-              <a:rPr lang="ru-RU" dirty="0"/>
+              <a:rPr lang="ru-RU" sz="3600" dirty="0"/>
               <a:t>Разбор задач</a:t>
             </a:r>
           </a:p>
@@ -6155,6 +6172,126 @@
     <p:extLst>
       <p:ext uri="{BB962C8B-B14F-4D97-AF65-F5344CB8AC3E}">
         <p14:creationId xmlns:p14="http://schemas.microsoft.com/office/powerpoint/2010/main" val="877285036"/>
+      </p:ext>
+    </p:extLst>
+  </p:cSld>
+  <p:clrMapOvr>
+    <a:masterClrMapping/>
+  </p:clrMapOvr>
+</p:sld>
+</file>
+
+<file path=ppt/slides/slide10.xml><?xml version="1.0" encoding="utf-8"?>
+<p:sld xmlns:a="http://schemas.openxmlformats.org/drawingml/2006/main" xmlns:r="http://schemas.openxmlformats.org/officeDocument/2006/relationships" xmlns:p="http://schemas.openxmlformats.org/presentationml/2006/main">
+  <p:cSld>
+    <p:spTree>
+      <p:nvGrpSpPr>
+        <p:cNvPr id="1" name=""/>
+        <p:cNvGrpSpPr/>
+        <p:nvPr/>
+      </p:nvGrpSpPr>
+      <p:grpSpPr>
+        <a:xfrm>
+          <a:off x="0" y="0"/>
+          <a:ext cx="0" cy="0"/>
+          <a:chOff x="0" y="0"/>
+          <a:chExt cx="0" cy="0"/>
+        </a:xfrm>
+      </p:grpSpPr>
+      <p:sp>
+        <p:nvSpPr>
+          <p:cNvPr id="2" name="Заголовок 1">
+            <a:extLst>
+              <a:ext uri="{FF2B5EF4-FFF2-40B4-BE49-F238E27FC236}">
+                <a16:creationId xmlns:a16="http://schemas.microsoft.com/office/drawing/2014/main" id="{6111E958-715B-409B-9632-1674E3593C97}"/>
+              </a:ext>
+            </a:extLst>
+          </p:cNvPr>
+          <p:cNvSpPr>
+            <a:spLocks noGrp="1"/>
+          </p:cNvSpPr>
+          <p:nvPr>
+            <p:ph type="title"/>
+          </p:nvPr>
+        </p:nvSpPr>
+        <p:spPr/>
+        <p:txBody>
+          <a:bodyPr/>
+          <a:lstStyle/>
+          <a:p>
+            <a:r>
+              <a:rPr lang="ru-RU" dirty="0"/>
+              <a:t>Редукция многомерного массива</a:t>
+            </a:r>
+          </a:p>
+        </p:txBody>
+      </p:sp>
+      <p:pic>
+        <p:nvPicPr>
+          <p:cNvPr id="6" name="Объект 5">
+            <a:extLst>
+              <a:ext uri="{FF2B5EF4-FFF2-40B4-BE49-F238E27FC236}">
+                <a16:creationId xmlns:a16="http://schemas.microsoft.com/office/drawing/2014/main" id="{EE0535E9-9591-4F1B-84A7-4728A78D4C1D}"/>
+              </a:ext>
+            </a:extLst>
+          </p:cNvPr>
+          <p:cNvPicPr>
+            <a:picLocks noGrp="1" noChangeAspect="1"/>
+          </p:cNvPicPr>
+          <p:nvPr>
+            <p:ph idx="1"/>
+          </p:nvPr>
+        </p:nvPicPr>
+        <p:blipFill>
+          <a:blip r:embed="rId2"/>
+          <a:stretch>
+            <a:fillRect/>
+          </a:stretch>
+        </p:blipFill>
+        <p:spPr>
+          <a:xfrm>
+            <a:off x="4813754" y="2200957"/>
+            <a:ext cx="7178020" cy="3082244"/>
+          </a:xfrm>
+        </p:spPr>
+      </p:pic>
+      <p:sp>
+        <p:nvSpPr>
+          <p:cNvPr id="4" name="Текст 3">
+            <a:extLst>
+              <a:ext uri="{FF2B5EF4-FFF2-40B4-BE49-F238E27FC236}">
+                <a16:creationId xmlns:a16="http://schemas.microsoft.com/office/drawing/2014/main" id="{23A0D7D7-3C7A-4629-8701-9A470A3AFBD5}"/>
+              </a:ext>
+            </a:extLst>
+          </p:cNvPr>
+          <p:cNvSpPr>
+            <a:spLocks noGrp="1"/>
+          </p:cNvSpPr>
+          <p:nvPr>
+            <p:ph type="body" sz="half" idx="2"/>
+          </p:nvPr>
+        </p:nvSpPr>
+        <p:spPr/>
+        <p:txBody>
+          <a:bodyPr/>
+          <a:lstStyle/>
+          <a:p>
+            <a:pPr>
+              <a:lnSpc>
+                <a:spcPct val="200000"/>
+              </a:lnSpc>
+            </a:pPr>
+            <a:r>
+              <a:rPr lang="ru-RU" dirty="0"/>
+              <a:t>Редукция массива представляет из себя поиск наименьшего элемента по строке / столбцу и вычитание этого элемента из всех элементов этой строки или этого столбца </a:t>
+            </a:r>
+          </a:p>
+        </p:txBody>
+      </p:sp>
+    </p:spTree>
+    <p:extLst>
+      <p:ext uri="{BB962C8B-B14F-4D97-AF65-F5344CB8AC3E}">
+        <p14:creationId xmlns:p14="http://schemas.microsoft.com/office/powerpoint/2010/main" val="2647925212"/>
       </p:ext>
     </p:extLst>
   </p:cSld>
@@ -6644,8 +6781,8 @@
         </p:blipFill>
         <p:spPr>
           <a:xfrm>
-            <a:off x="5726113" y="3157702"/>
-            <a:ext cx="5041900" cy="2509508"/>
+            <a:off x="5726113" y="3429000"/>
+            <a:ext cx="5041900" cy="2238210"/>
           </a:xfrm>
         </p:spPr>
       </p:pic>
@@ -6709,7 +6846,7 @@
         <p:spPr>
           <a:xfrm>
             <a:off x="5725844" y="1057184"/>
-            <a:ext cx="4403577" cy="1907958"/>
+            <a:ext cx="4403577" cy="2238210"/>
           </a:xfrm>
           <a:prstGeom prst="rect">
             <a:avLst/>
@@ -6717,7 +6854,7 @@
         </p:spPr>
         <p:txBody>
           <a:bodyPr vert="horz" lIns="91440" tIns="45720" rIns="91440" bIns="45720" rtlCol="0">
-            <a:normAutofit fontScale="92500" lnSpcReduction="20000"/>
+            <a:normAutofit fontScale="85000" lnSpcReduction="10000"/>
           </a:bodyPr>
           <a:lstStyle>
             <a:lvl1pPr marL="0" indent="0" algn="l" defTabSz="457200" rtl="0" eaLnBrk="1" latinLnBrk="0" hangingPunct="1">
@@ -6954,7 +7091,7 @@
             </a:pPr>
             <a:r>
               <a:rPr lang="ru-RU" dirty="0"/>
-              <a:t>Для поиска максимального элемента массива необходимо провести поиск элемента, который будет больше текущего максимального значения. На первом шаге цикла изначальное максимальное значение должно быть равно 0. Тот же принцип работает и на поиск минимального элемента </a:t>
+              <a:t>Для поиска максимального элемента массива необходимо провести поиск элемента, который будет больше текущего максимального значения. На первом шаге цикла изначальное максимальное значение должно быть равно 0. Тот же принцип работает и на поиск минимального элемента, но там необходимо сравнить с наибольшим числом, которое может попасться в массиве </a:t>
             </a:r>
           </a:p>
         </p:txBody>
@@ -7385,6 +7522,847 @@
       </p:grpSpPr>
       <p:sp>
         <p:nvSpPr>
+          <p:cNvPr id="4" name="Заголовок 3">
+            <a:extLst>
+              <a:ext uri="{FF2B5EF4-FFF2-40B4-BE49-F238E27FC236}">
+                <a16:creationId xmlns:a16="http://schemas.microsoft.com/office/drawing/2014/main" id="{4D762413-4921-4795-9592-BBAA0FC9F3A1}"/>
+              </a:ext>
+            </a:extLst>
+          </p:cNvPr>
+          <p:cNvSpPr>
+            <a:spLocks noGrp="1"/>
+          </p:cNvSpPr>
+          <p:nvPr>
+            <p:ph type="title"/>
+          </p:nvPr>
+        </p:nvSpPr>
+        <p:spPr/>
+        <p:txBody>
+          <a:bodyPr/>
+          <a:lstStyle/>
+          <a:p>
+            <a:r>
+              <a:rPr lang="ru-RU" dirty="0"/>
+              <a:t>Параллельный обход массивов с разными индексами</a:t>
+            </a:r>
+          </a:p>
+        </p:txBody>
+      </p:sp>
+      <p:sp>
+        <p:nvSpPr>
+          <p:cNvPr id="6" name="Текст 5">
+            <a:extLst>
+              <a:ext uri="{FF2B5EF4-FFF2-40B4-BE49-F238E27FC236}">
+                <a16:creationId xmlns:a16="http://schemas.microsoft.com/office/drawing/2014/main" id="{B45A4B2D-DFD0-4C29-A0EE-E4BAC8818B32}"/>
+              </a:ext>
+            </a:extLst>
+          </p:cNvPr>
+          <p:cNvSpPr>
+            <a:spLocks noGrp="1"/>
+          </p:cNvSpPr>
+          <p:nvPr>
+            <p:ph type="body" sz="half" idx="2"/>
+          </p:nvPr>
+        </p:nvSpPr>
+        <p:spPr>
+          <a:xfrm>
+            <a:off x="1154953" y="3129281"/>
+            <a:ext cx="3401063" cy="3053806"/>
+          </a:xfrm>
+        </p:spPr>
+        <p:txBody>
+          <a:bodyPr>
+            <a:normAutofit fontScale="85000" lnSpcReduction="10000"/>
+          </a:bodyPr>
+          <a:lstStyle/>
+          <a:p>
+            <a:pPr>
+              <a:lnSpc>
+                <a:spcPct val="150000"/>
+              </a:lnSpc>
+            </a:pPr>
+            <a:r>
+              <a:rPr lang="ru-RU" sz="1800" dirty="0">
+                <a:effectLst/>
+                <a:latin typeface="Calibri" panose="020F0502020204030204" pitchFamily="34" charset="0"/>
+                <a:ea typeface="Calibri" panose="020F0502020204030204" pitchFamily="34" charset="0"/>
+                <a:cs typeface="Times New Roman" panose="02020603050405020304" pitchFamily="18" charset="0"/>
+              </a:rPr>
+              <a:t>Сформировать два массива случайных целых чисел от 1 до 100. Перебором массива в цикле умножить первый элемент исходного первого массива на последний элемент исходного второго массива (и так далее по всем элементам). Конечный массив вывести в терминал</a:t>
+            </a:r>
+            <a:endParaRPr lang="ru-RU" dirty="0"/>
+          </a:p>
+        </p:txBody>
+      </p:sp>
+      <p:sp>
+        <p:nvSpPr>
+          <p:cNvPr id="7" name="Текст 5">
+            <a:extLst>
+              <a:ext uri="{FF2B5EF4-FFF2-40B4-BE49-F238E27FC236}">
+                <a16:creationId xmlns:a16="http://schemas.microsoft.com/office/drawing/2014/main" id="{554A1659-5E29-4601-B97A-BE44CD190E45}"/>
+              </a:ext>
+            </a:extLst>
+          </p:cNvPr>
+          <p:cNvSpPr txBox="1">
+            <a:spLocks/>
+          </p:cNvSpPr>
+          <p:nvPr/>
+        </p:nvSpPr>
+        <p:spPr>
+          <a:xfrm>
+            <a:off x="5725844" y="1057184"/>
+            <a:ext cx="4403577" cy="1907958"/>
+          </a:xfrm>
+          <a:prstGeom prst="rect">
+            <a:avLst/>
+          </a:prstGeom>
+        </p:spPr>
+        <p:txBody>
+          <a:bodyPr vert="horz" lIns="91440" tIns="45720" rIns="91440" bIns="45720" rtlCol="0">
+            <a:normAutofit lnSpcReduction="10000"/>
+          </a:bodyPr>
+          <a:lstStyle>
+            <a:lvl1pPr marL="0" indent="0" algn="l" defTabSz="457200" rtl="0" eaLnBrk="1" latinLnBrk="0" hangingPunct="1">
+              <a:spcBef>
+                <a:spcPts val="1000"/>
+              </a:spcBef>
+              <a:spcAft>
+                <a:spcPts val="0"/>
+              </a:spcAft>
+              <a:buClr>
+                <a:schemeClr val="bg2">
+                  <a:lumMod val="40000"/>
+                  <a:lumOff val="60000"/>
+                </a:schemeClr>
+              </a:buClr>
+              <a:buSzPct val="80000"/>
+              <a:buFont typeface="Wingdings 3" charset="2"/>
+              <a:buNone/>
+              <a:defRPr sz="1400" b="0" i="0" kern="1200">
+                <a:solidFill>
+                  <a:schemeClr val="tx1"/>
+                </a:solidFill>
+                <a:latin typeface="+mj-lt"/>
+                <a:ea typeface="+mj-ea"/>
+                <a:cs typeface="+mj-cs"/>
+              </a:defRPr>
+            </a:lvl1pPr>
+            <a:lvl2pPr marL="457200" indent="0" algn="l" defTabSz="457200" rtl="0" eaLnBrk="1" latinLnBrk="0" hangingPunct="1">
+              <a:spcBef>
+                <a:spcPts val="1000"/>
+              </a:spcBef>
+              <a:spcAft>
+                <a:spcPts val="0"/>
+              </a:spcAft>
+              <a:buClr>
+                <a:schemeClr val="bg2">
+                  <a:lumMod val="40000"/>
+                  <a:lumOff val="60000"/>
+                </a:schemeClr>
+              </a:buClr>
+              <a:buSzPct val="80000"/>
+              <a:buFont typeface="Wingdings 3" charset="2"/>
+              <a:buNone/>
+              <a:defRPr sz="1200" b="0" i="0" kern="1200">
+                <a:solidFill>
+                  <a:schemeClr val="tx1"/>
+                </a:solidFill>
+                <a:latin typeface="+mj-lt"/>
+                <a:ea typeface="+mj-ea"/>
+                <a:cs typeface="+mj-cs"/>
+              </a:defRPr>
+            </a:lvl2pPr>
+            <a:lvl3pPr marL="914400" indent="0" algn="l" defTabSz="457200" rtl="0" eaLnBrk="1" latinLnBrk="0" hangingPunct="1">
+              <a:spcBef>
+                <a:spcPts val="1000"/>
+              </a:spcBef>
+              <a:spcAft>
+                <a:spcPts val="0"/>
+              </a:spcAft>
+              <a:buClr>
+                <a:schemeClr val="bg2">
+                  <a:lumMod val="40000"/>
+                  <a:lumOff val="60000"/>
+                </a:schemeClr>
+              </a:buClr>
+              <a:buSzPct val="80000"/>
+              <a:buFont typeface="Wingdings 3" charset="2"/>
+              <a:buNone/>
+              <a:defRPr sz="1000" b="0" i="0" kern="1200">
+                <a:solidFill>
+                  <a:schemeClr val="tx1"/>
+                </a:solidFill>
+                <a:latin typeface="+mj-lt"/>
+                <a:ea typeface="+mj-ea"/>
+                <a:cs typeface="+mj-cs"/>
+              </a:defRPr>
+            </a:lvl3pPr>
+            <a:lvl4pPr marL="1371600" indent="0" algn="l" defTabSz="457200" rtl="0" eaLnBrk="1" latinLnBrk="0" hangingPunct="1">
+              <a:spcBef>
+                <a:spcPts val="1000"/>
+              </a:spcBef>
+              <a:spcAft>
+                <a:spcPts val="0"/>
+              </a:spcAft>
+              <a:buClr>
+                <a:schemeClr val="bg2">
+                  <a:lumMod val="40000"/>
+                  <a:lumOff val="60000"/>
+                </a:schemeClr>
+              </a:buClr>
+              <a:buSzPct val="80000"/>
+              <a:buFont typeface="Wingdings 3" charset="2"/>
+              <a:buNone/>
+              <a:defRPr sz="900" b="0" i="0" kern="1200">
+                <a:solidFill>
+                  <a:schemeClr val="tx1"/>
+                </a:solidFill>
+                <a:latin typeface="+mj-lt"/>
+                <a:ea typeface="+mj-ea"/>
+                <a:cs typeface="+mj-cs"/>
+              </a:defRPr>
+            </a:lvl4pPr>
+            <a:lvl5pPr marL="1828800" indent="0" algn="l" defTabSz="457200" rtl="0" eaLnBrk="1" latinLnBrk="0" hangingPunct="1">
+              <a:spcBef>
+                <a:spcPts val="1000"/>
+              </a:spcBef>
+              <a:spcAft>
+                <a:spcPts val="0"/>
+              </a:spcAft>
+              <a:buClr>
+                <a:schemeClr val="bg2">
+                  <a:lumMod val="40000"/>
+                  <a:lumOff val="60000"/>
+                </a:schemeClr>
+              </a:buClr>
+              <a:buSzPct val="80000"/>
+              <a:buFont typeface="Wingdings 3" charset="2"/>
+              <a:buNone/>
+              <a:defRPr sz="900" b="0" i="0" kern="1200">
+                <a:solidFill>
+                  <a:schemeClr val="tx1"/>
+                </a:solidFill>
+                <a:latin typeface="+mj-lt"/>
+                <a:ea typeface="+mj-ea"/>
+                <a:cs typeface="+mj-cs"/>
+              </a:defRPr>
+            </a:lvl5pPr>
+            <a:lvl6pPr marL="2286000" indent="0" algn="l" defTabSz="457200" rtl="0" eaLnBrk="1" latinLnBrk="0" hangingPunct="1">
+              <a:spcBef>
+                <a:spcPts val="1000"/>
+              </a:spcBef>
+              <a:spcAft>
+                <a:spcPts val="0"/>
+              </a:spcAft>
+              <a:buClr>
+                <a:schemeClr val="bg2">
+                  <a:lumMod val="40000"/>
+                  <a:lumOff val="60000"/>
+                </a:schemeClr>
+              </a:buClr>
+              <a:buSzPct val="80000"/>
+              <a:buFont typeface="Wingdings 3" charset="2"/>
+              <a:buNone/>
+              <a:defRPr sz="900" b="0" i="0" kern="1200">
+                <a:solidFill>
+                  <a:schemeClr val="tx1"/>
+                </a:solidFill>
+                <a:latin typeface="+mj-lt"/>
+                <a:ea typeface="+mj-ea"/>
+                <a:cs typeface="+mj-cs"/>
+              </a:defRPr>
+            </a:lvl6pPr>
+            <a:lvl7pPr marL="2743200" indent="0" algn="l" defTabSz="457200" rtl="0" eaLnBrk="1" latinLnBrk="0" hangingPunct="1">
+              <a:spcBef>
+                <a:spcPts val="1000"/>
+              </a:spcBef>
+              <a:spcAft>
+                <a:spcPts val="0"/>
+              </a:spcAft>
+              <a:buClr>
+                <a:schemeClr val="bg2">
+                  <a:lumMod val="40000"/>
+                  <a:lumOff val="60000"/>
+                </a:schemeClr>
+              </a:buClr>
+              <a:buSzPct val="80000"/>
+              <a:buFont typeface="Wingdings 3" charset="2"/>
+              <a:buNone/>
+              <a:defRPr sz="900" b="0" i="0" kern="1200">
+                <a:solidFill>
+                  <a:schemeClr val="tx1"/>
+                </a:solidFill>
+                <a:latin typeface="+mj-lt"/>
+                <a:ea typeface="+mj-ea"/>
+                <a:cs typeface="+mj-cs"/>
+              </a:defRPr>
+            </a:lvl7pPr>
+            <a:lvl8pPr marL="3200400" indent="0" algn="l" defTabSz="457200" rtl="0" eaLnBrk="1" latinLnBrk="0" hangingPunct="1">
+              <a:spcBef>
+                <a:spcPts val="1000"/>
+              </a:spcBef>
+              <a:spcAft>
+                <a:spcPts val="0"/>
+              </a:spcAft>
+              <a:buClr>
+                <a:schemeClr val="bg2">
+                  <a:lumMod val="40000"/>
+                  <a:lumOff val="60000"/>
+                </a:schemeClr>
+              </a:buClr>
+              <a:buSzPct val="80000"/>
+              <a:buFont typeface="Wingdings 3" charset="2"/>
+              <a:buNone/>
+              <a:defRPr sz="900" b="0" i="0" kern="1200">
+                <a:solidFill>
+                  <a:schemeClr val="tx1"/>
+                </a:solidFill>
+                <a:latin typeface="+mj-lt"/>
+                <a:ea typeface="+mj-ea"/>
+                <a:cs typeface="+mj-cs"/>
+              </a:defRPr>
+            </a:lvl8pPr>
+            <a:lvl9pPr marL="3657600" indent="0" algn="l" defTabSz="457200" rtl="0" eaLnBrk="1" latinLnBrk="0" hangingPunct="1">
+              <a:spcBef>
+                <a:spcPts val="1000"/>
+              </a:spcBef>
+              <a:spcAft>
+                <a:spcPts val="0"/>
+              </a:spcAft>
+              <a:buClr>
+                <a:schemeClr val="bg2">
+                  <a:lumMod val="40000"/>
+                  <a:lumOff val="60000"/>
+                </a:schemeClr>
+              </a:buClr>
+              <a:buSzPct val="80000"/>
+              <a:buFont typeface="Wingdings 3" charset="2"/>
+              <a:buNone/>
+              <a:defRPr sz="900" b="0" i="0" kern="1200">
+                <a:solidFill>
+                  <a:schemeClr val="tx1"/>
+                </a:solidFill>
+                <a:latin typeface="+mj-lt"/>
+                <a:ea typeface="+mj-ea"/>
+                <a:cs typeface="+mj-cs"/>
+              </a:defRPr>
+            </a:lvl9pPr>
+          </a:lstStyle>
+          <a:p>
+            <a:pPr>
+              <a:lnSpc>
+                <a:spcPct val="150000"/>
+              </a:lnSpc>
+            </a:pPr>
+            <a:r>
+              <a:rPr lang="ru-RU" dirty="0"/>
+              <a:t>Параллельный обход массива можно организовать в одном цикле. По условию задачи необходимо обратиться к </a:t>
+            </a:r>
+            <a:r>
+              <a:rPr lang="en-US" dirty="0"/>
+              <a:t>I </a:t>
+            </a:r>
+            <a:r>
+              <a:rPr lang="ru-RU" dirty="0"/>
+              <a:t>индексу верхнего массива и индексу, расположенному на месте (</a:t>
+            </a:r>
+            <a:r>
+              <a:rPr lang="en-US" dirty="0" err="1"/>
+              <a:t>len</a:t>
+            </a:r>
+            <a:r>
+              <a:rPr lang="en-US" dirty="0"/>
+              <a:t> – 1 - </a:t>
+            </a:r>
+            <a:r>
+              <a:rPr lang="en-US" dirty="0" err="1"/>
+              <a:t>i</a:t>
+            </a:r>
+            <a:r>
+              <a:rPr lang="ru-RU" dirty="0"/>
+              <a:t>)</a:t>
+            </a:r>
+            <a:r>
+              <a:rPr lang="en-US" dirty="0"/>
+              <a:t>, </a:t>
+            </a:r>
+            <a:r>
+              <a:rPr lang="ru-RU" dirty="0"/>
+              <a:t>где </a:t>
+            </a:r>
+            <a:r>
+              <a:rPr lang="en-US" dirty="0" err="1"/>
+              <a:t>len</a:t>
+            </a:r>
+            <a:r>
+              <a:rPr lang="en-US" dirty="0"/>
+              <a:t> – </a:t>
+            </a:r>
+            <a:r>
+              <a:rPr lang="ru-RU" dirty="0"/>
+              <a:t>длина массива</a:t>
+            </a:r>
+          </a:p>
+        </p:txBody>
+      </p:sp>
+      <p:pic>
+        <p:nvPicPr>
+          <p:cNvPr id="13" name="Объект 12">
+            <a:extLst>
+              <a:ext uri="{FF2B5EF4-FFF2-40B4-BE49-F238E27FC236}">
+                <a16:creationId xmlns:a16="http://schemas.microsoft.com/office/drawing/2014/main" id="{21B7D8D9-D51B-4495-AF57-767F5EF16361}"/>
+              </a:ext>
+            </a:extLst>
+          </p:cNvPr>
+          <p:cNvPicPr>
+            <a:picLocks noGrp="1" noChangeAspect="1"/>
+          </p:cNvPicPr>
+          <p:nvPr>
+            <p:ph idx="1"/>
+          </p:nvPr>
+        </p:nvPicPr>
+        <p:blipFill>
+          <a:blip r:embed="rId2"/>
+          <a:stretch>
+            <a:fillRect/>
+          </a:stretch>
+        </p:blipFill>
+        <p:spPr>
+          <a:xfrm>
+            <a:off x="5725843" y="2965142"/>
+            <a:ext cx="5195888" cy="2835674"/>
+          </a:xfrm>
+        </p:spPr>
+      </p:pic>
+    </p:spTree>
+    <p:extLst>
+      <p:ext uri="{BB962C8B-B14F-4D97-AF65-F5344CB8AC3E}">
+        <p14:creationId xmlns:p14="http://schemas.microsoft.com/office/powerpoint/2010/main" val="594043352"/>
+      </p:ext>
+    </p:extLst>
+  </p:cSld>
+  <p:clrMapOvr>
+    <a:masterClrMapping/>
+  </p:clrMapOvr>
+</p:sld>
+</file>
+
+<file path=ppt/slides/slide6.xml><?xml version="1.0" encoding="utf-8"?>
+<p:sld xmlns:a="http://schemas.openxmlformats.org/drawingml/2006/main" xmlns:r="http://schemas.openxmlformats.org/officeDocument/2006/relationships" xmlns:p="http://schemas.openxmlformats.org/presentationml/2006/main">
+  <p:cSld>
+    <p:spTree>
+      <p:nvGrpSpPr>
+        <p:cNvPr id="1" name=""/>
+        <p:cNvGrpSpPr/>
+        <p:nvPr/>
+      </p:nvGrpSpPr>
+      <p:grpSpPr>
+        <a:xfrm>
+          <a:off x="0" y="0"/>
+          <a:ext cx="0" cy="0"/>
+          <a:chOff x="0" y="0"/>
+          <a:chExt cx="0" cy="0"/>
+        </a:xfrm>
+      </p:grpSpPr>
+      <p:sp>
+        <p:nvSpPr>
+          <p:cNvPr id="4" name="Заголовок 3">
+            <a:extLst>
+              <a:ext uri="{FF2B5EF4-FFF2-40B4-BE49-F238E27FC236}">
+                <a16:creationId xmlns:a16="http://schemas.microsoft.com/office/drawing/2014/main" id="{4D762413-4921-4795-9592-BBAA0FC9F3A1}"/>
+              </a:ext>
+            </a:extLst>
+          </p:cNvPr>
+          <p:cNvSpPr>
+            <a:spLocks noGrp="1"/>
+          </p:cNvSpPr>
+          <p:nvPr>
+            <p:ph type="title"/>
+          </p:nvPr>
+        </p:nvSpPr>
+        <p:spPr/>
+        <p:txBody>
+          <a:bodyPr/>
+          <a:lstStyle/>
+          <a:p>
+            <a:r>
+              <a:rPr lang="ru-RU" dirty="0"/>
+              <a:t>Поиск чётных и нечётных элементов</a:t>
+            </a:r>
+          </a:p>
+        </p:txBody>
+      </p:sp>
+      <p:pic>
+        <p:nvPicPr>
+          <p:cNvPr id="9" name="Объект 8">
+            <a:extLst>
+              <a:ext uri="{FF2B5EF4-FFF2-40B4-BE49-F238E27FC236}">
+                <a16:creationId xmlns:a16="http://schemas.microsoft.com/office/drawing/2014/main" id="{FB07508E-BD2D-43E1-94A9-051E8C5D1A53}"/>
+              </a:ext>
+            </a:extLst>
+          </p:cNvPr>
+          <p:cNvPicPr>
+            <a:picLocks noGrp="1" noChangeAspect="1"/>
+          </p:cNvPicPr>
+          <p:nvPr>
+            <p:ph idx="1"/>
+          </p:nvPr>
+        </p:nvPicPr>
+        <p:blipFill>
+          <a:blip r:embed="rId2"/>
+          <a:stretch>
+            <a:fillRect/>
+          </a:stretch>
+        </p:blipFill>
+        <p:spPr>
+          <a:xfrm>
+            <a:off x="5726113" y="3157702"/>
+            <a:ext cx="5041900" cy="2509508"/>
+          </a:xfrm>
+        </p:spPr>
+      </p:pic>
+      <p:sp>
+        <p:nvSpPr>
+          <p:cNvPr id="6" name="Текст 5">
+            <a:extLst>
+              <a:ext uri="{FF2B5EF4-FFF2-40B4-BE49-F238E27FC236}">
+                <a16:creationId xmlns:a16="http://schemas.microsoft.com/office/drawing/2014/main" id="{B45A4B2D-DFD0-4C29-A0EE-E4BAC8818B32}"/>
+              </a:ext>
+            </a:extLst>
+          </p:cNvPr>
+          <p:cNvSpPr>
+            <a:spLocks noGrp="1"/>
+          </p:cNvSpPr>
+          <p:nvPr>
+            <p:ph type="body" sz="half" idx="2"/>
+          </p:nvPr>
+        </p:nvSpPr>
+        <p:spPr/>
+        <p:txBody>
+          <a:bodyPr>
+            <a:normAutofit/>
+          </a:bodyPr>
+          <a:lstStyle/>
+          <a:p>
+            <a:pPr>
+              <a:lnSpc>
+                <a:spcPct val="150000"/>
+              </a:lnSpc>
+            </a:pPr>
+            <a:r>
+              <a:rPr lang="ru-RU" dirty="0"/>
+              <a:t>Сформировать случайный массив целых чисел. Пока в массиве не попалось трёхзначное число – перемножаем элементы на максимум этого массива. Целое число не трогаем, а все числа после него перемножаем на минимум из этого массива</a:t>
+            </a:r>
+          </a:p>
+        </p:txBody>
+      </p:sp>
+      <p:sp>
+        <p:nvSpPr>
+          <p:cNvPr id="7" name="Текст 5">
+            <a:extLst>
+              <a:ext uri="{FF2B5EF4-FFF2-40B4-BE49-F238E27FC236}">
+                <a16:creationId xmlns:a16="http://schemas.microsoft.com/office/drawing/2014/main" id="{554A1659-5E29-4601-B97A-BE44CD190E45}"/>
+              </a:ext>
+            </a:extLst>
+          </p:cNvPr>
+          <p:cNvSpPr txBox="1">
+            <a:spLocks/>
+          </p:cNvSpPr>
+          <p:nvPr/>
+        </p:nvSpPr>
+        <p:spPr>
+          <a:xfrm>
+            <a:off x="5725844" y="1057184"/>
+            <a:ext cx="4403577" cy="1907958"/>
+          </a:xfrm>
+          <a:prstGeom prst="rect">
+            <a:avLst/>
+          </a:prstGeom>
+        </p:spPr>
+        <p:txBody>
+          <a:bodyPr vert="horz" lIns="91440" tIns="45720" rIns="91440" bIns="45720" rtlCol="0">
+            <a:normAutofit lnSpcReduction="10000"/>
+          </a:bodyPr>
+          <a:lstStyle>
+            <a:lvl1pPr marL="0" indent="0" algn="l" defTabSz="457200" rtl="0" eaLnBrk="1" latinLnBrk="0" hangingPunct="1">
+              <a:spcBef>
+                <a:spcPts val="1000"/>
+              </a:spcBef>
+              <a:spcAft>
+                <a:spcPts val="0"/>
+              </a:spcAft>
+              <a:buClr>
+                <a:schemeClr val="bg2">
+                  <a:lumMod val="40000"/>
+                  <a:lumOff val="60000"/>
+                </a:schemeClr>
+              </a:buClr>
+              <a:buSzPct val="80000"/>
+              <a:buFont typeface="Wingdings 3" charset="2"/>
+              <a:buNone/>
+              <a:defRPr sz="1400" b="0" i="0" kern="1200">
+                <a:solidFill>
+                  <a:schemeClr val="tx1"/>
+                </a:solidFill>
+                <a:latin typeface="+mj-lt"/>
+                <a:ea typeface="+mj-ea"/>
+                <a:cs typeface="+mj-cs"/>
+              </a:defRPr>
+            </a:lvl1pPr>
+            <a:lvl2pPr marL="457200" indent="0" algn="l" defTabSz="457200" rtl="0" eaLnBrk="1" latinLnBrk="0" hangingPunct="1">
+              <a:spcBef>
+                <a:spcPts val="1000"/>
+              </a:spcBef>
+              <a:spcAft>
+                <a:spcPts val="0"/>
+              </a:spcAft>
+              <a:buClr>
+                <a:schemeClr val="bg2">
+                  <a:lumMod val="40000"/>
+                  <a:lumOff val="60000"/>
+                </a:schemeClr>
+              </a:buClr>
+              <a:buSzPct val="80000"/>
+              <a:buFont typeface="Wingdings 3" charset="2"/>
+              <a:buNone/>
+              <a:defRPr sz="1200" b="0" i="0" kern="1200">
+                <a:solidFill>
+                  <a:schemeClr val="tx1"/>
+                </a:solidFill>
+                <a:latin typeface="+mj-lt"/>
+                <a:ea typeface="+mj-ea"/>
+                <a:cs typeface="+mj-cs"/>
+              </a:defRPr>
+            </a:lvl2pPr>
+            <a:lvl3pPr marL="914400" indent="0" algn="l" defTabSz="457200" rtl="0" eaLnBrk="1" latinLnBrk="0" hangingPunct="1">
+              <a:spcBef>
+                <a:spcPts val="1000"/>
+              </a:spcBef>
+              <a:spcAft>
+                <a:spcPts val="0"/>
+              </a:spcAft>
+              <a:buClr>
+                <a:schemeClr val="bg2">
+                  <a:lumMod val="40000"/>
+                  <a:lumOff val="60000"/>
+                </a:schemeClr>
+              </a:buClr>
+              <a:buSzPct val="80000"/>
+              <a:buFont typeface="Wingdings 3" charset="2"/>
+              <a:buNone/>
+              <a:defRPr sz="1000" b="0" i="0" kern="1200">
+                <a:solidFill>
+                  <a:schemeClr val="tx1"/>
+                </a:solidFill>
+                <a:latin typeface="+mj-lt"/>
+                <a:ea typeface="+mj-ea"/>
+                <a:cs typeface="+mj-cs"/>
+              </a:defRPr>
+            </a:lvl3pPr>
+            <a:lvl4pPr marL="1371600" indent="0" algn="l" defTabSz="457200" rtl="0" eaLnBrk="1" latinLnBrk="0" hangingPunct="1">
+              <a:spcBef>
+                <a:spcPts val="1000"/>
+              </a:spcBef>
+              <a:spcAft>
+                <a:spcPts val="0"/>
+              </a:spcAft>
+              <a:buClr>
+                <a:schemeClr val="bg2">
+                  <a:lumMod val="40000"/>
+                  <a:lumOff val="60000"/>
+                </a:schemeClr>
+              </a:buClr>
+              <a:buSzPct val="80000"/>
+              <a:buFont typeface="Wingdings 3" charset="2"/>
+              <a:buNone/>
+              <a:defRPr sz="900" b="0" i="0" kern="1200">
+                <a:solidFill>
+                  <a:schemeClr val="tx1"/>
+                </a:solidFill>
+                <a:latin typeface="+mj-lt"/>
+                <a:ea typeface="+mj-ea"/>
+                <a:cs typeface="+mj-cs"/>
+              </a:defRPr>
+            </a:lvl4pPr>
+            <a:lvl5pPr marL="1828800" indent="0" algn="l" defTabSz="457200" rtl="0" eaLnBrk="1" latinLnBrk="0" hangingPunct="1">
+              <a:spcBef>
+                <a:spcPts val="1000"/>
+              </a:spcBef>
+              <a:spcAft>
+                <a:spcPts val="0"/>
+              </a:spcAft>
+              <a:buClr>
+                <a:schemeClr val="bg2">
+                  <a:lumMod val="40000"/>
+                  <a:lumOff val="60000"/>
+                </a:schemeClr>
+              </a:buClr>
+              <a:buSzPct val="80000"/>
+              <a:buFont typeface="Wingdings 3" charset="2"/>
+              <a:buNone/>
+              <a:defRPr sz="900" b="0" i="0" kern="1200">
+                <a:solidFill>
+                  <a:schemeClr val="tx1"/>
+                </a:solidFill>
+                <a:latin typeface="+mj-lt"/>
+                <a:ea typeface="+mj-ea"/>
+                <a:cs typeface="+mj-cs"/>
+              </a:defRPr>
+            </a:lvl5pPr>
+            <a:lvl6pPr marL="2286000" indent="0" algn="l" defTabSz="457200" rtl="0" eaLnBrk="1" latinLnBrk="0" hangingPunct="1">
+              <a:spcBef>
+                <a:spcPts val="1000"/>
+              </a:spcBef>
+              <a:spcAft>
+                <a:spcPts val="0"/>
+              </a:spcAft>
+              <a:buClr>
+                <a:schemeClr val="bg2">
+                  <a:lumMod val="40000"/>
+                  <a:lumOff val="60000"/>
+                </a:schemeClr>
+              </a:buClr>
+              <a:buSzPct val="80000"/>
+              <a:buFont typeface="Wingdings 3" charset="2"/>
+              <a:buNone/>
+              <a:defRPr sz="900" b="0" i="0" kern="1200">
+                <a:solidFill>
+                  <a:schemeClr val="tx1"/>
+                </a:solidFill>
+                <a:latin typeface="+mj-lt"/>
+                <a:ea typeface="+mj-ea"/>
+                <a:cs typeface="+mj-cs"/>
+              </a:defRPr>
+            </a:lvl6pPr>
+            <a:lvl7pPr marL="2743200" indent="0" algn="l" defTabSz="457200" rtl="0" eaLnBrk="1" latinLnBrk="0" hangingPunct="1">
+              <a:spcBef>
+                <a:spcPts val="1000"/>
+              </a:spcBef>
+              <a:spcAft>
+                <a:spcPts val="0"/>
+              </a:spcAft>
+              <a:buClr>
+                <a:schemeClr val="bg2">
+                  <a:lumMod val="40000"/>
+                  <a:lumOff val="60000"/>
+                </a:schemeClr>
+              </a:buClr>
+              <a:buSzPct val="80000"/>
+              <a:buFont typeface="Wingdings 3" charset="2"/>
+              <a:buNone/>
+              <a:defRPr sz="900" b="0" i="0" kern="1200">
+                <a:solidFill>
+                  <a:schemeClr val="tx1"/>
+                </a:solidFill>
+                <a:latin typeface="+mj-lt"/>
+                <a:ea typeface="+mj-ea"/>
+                <a:cs typeface="+mj-cs"/>
+              </a:defRPr>
+            </a:lvl7pPr>
+            <a:lvl8pPr marL="3200400" indent="0" algn="l" defTabSz="457200" rtl="0" eaLnBrk="1" latinLnBrk="0" hangingPunct="1">
+              <a:spcBef>
+                <a:spcPts val="1000"/>
+              </a:spcBef>
+              <a:spcAft>
+                <a:spcPts val="0"/>
+              </a:spcAft>
+              <a:buClr>
+                <a:schemeClr val="bg2">
+                  <a:lumMod val="40000"/>
+                  <a:lumOff val="60000"/>
+                </a:schemeClr>
+              </a:buClr>
+              <a:buSzPct val="80000"/>
+              <a:buFont typeface="Wingdings 3" charset="2"/>
+              <a:buNone/>
+              <a:defRPr sz="900" b="0" i="0" kern="1200">
+                <a:solidFill>
+                  <a:schemeClr val="tx1"/>
+                </a:solidFill>
+                <a:latin typeface="+mj-lt"/>
+                <a:ea typeface="+mj-ea"/>
+                <a:cs typeface="+mj-cs"/>
+              </a:defRPr>
+            </a:lvl8pPr>
+            <a:lvl9pPr marL="3657600" indent="0" algn="l" defTabSz="457200" rtl="0" eaLnBrk="1" latinLnBrk="0" hangingPunct="1">
+              <a:spcBef>
+                <a:spcPts val="1000"/>
+              </a:spcBef>
+              <a:spcAft>
+                <a:spcPts val="0"/>
+              </a:spcAft>
+              <a:buClr>
+                <a:schemeClr val="bg2">
+                  <a:lumMod val="40000"/>
+                  <a:lumOff val="60000"/>
+                </a:schemeClr>
+              </a:buClr>
+              <a:buSzPct val="80000"/>
+              <a:buFont typeface="Wingdings 3" charset="2"/>
+              <a:buNone/>
+              <a:defRPr sz="900" b="0" i="0" kern="1200">
+                <a:solidFill>
+                  <a:schemeClr val="tx1"/>
+                </a:solidFill>
+                <a:latin typeface="+mj-lt"/>
+                <a:ea typeface="+mj-ea"/>
+                <a:cs typeface="+mj-cs"/>
+              </a:defRPr>
+            </a:lvl9pPr>
+          </a:lstStyle>
+          <a:p>
+            <a:pPr>
+              <a:lnSpc>
+                <a:spcPct val="150000"/>
+              </a:lnSpc>
+            </a:pPr>
+            <a:r>
+              <a:rPr lang="ru-RU" dirty="0"/>
+              <a:t>Для передачи случайного диапазона в функцию формирования </a:t>
+            </a:r>
+            <a:r>
+              <a:rPr lang="ru-RU" dirty="0" err="1"/>
+              <a:t>рандомного</a:t>
+            </a:r>
+            <a:r>
+              <a:rPr lang="ru-RU" dirty="0"/>
+              <a:t> числа помимо статичных значений можно передать как текущий элемент массива, так и значение, полученное по итогам работы некоторой функции</a:t>
+            </a:r>
+          </a:p>
+        </p:txBody>
+      </p:sp>
+    </p:spTree>
+    <p:extLst>
+      <p:ext uri="{BB962C8B-B14F-4D97-AF65-F5344CB8AC3E}">
+        <p14:creationId xmlns:p14="http://schemas.microsoft.com/office/powerpoint/2010/main" val="2037680116"/>
+      </p:ext>
+    </p:extLst>
+  </p:cSld>
+  <p:clrMapOvr>
+    <a:masterClrMapping/>
+  </p:clrMapOvr>
+</p:sld>
+</file>
+
+<file path=ppt/slides/slide7.xml><?xml version="1.0" encoding="utf-8"?>
+<p:sld xmlns:a="http://schemas.openxmlformats.org/drawingml/2006/main" xmlns:r="http://schemas.openxmlformats.org/officeDocument/2006/relationships" xmlns:p="http://schemas.openxmlformats.org/presentationml/2006/main">
+  <p:cSld>
+    <p:spTree>
+      <p:nvGrpSpPr>
+        <p:cNvPr id="1" name=""/>
+        <p:cNvGrpSpPr/>
+        <p:nvPr/>
+      </p:nvGrpSpPr>
+      <p:grpSpPr>
+        <a:xfrm>
+          <a:off x="0" y="0"/>
+          <a:ext cx="0" cy="0"/>
+          <a:chOff x="0" y="0"/>
+          <a:chExt cx="0" cy="0"/>
+        </a:xfrm>
+      </p:grpSpPr>
+      <p:sp>
+        <p:nvSpPr>
           <p:cNvPr id="2" name="Заголовок 1">
             <a:extLst>
               <a:ext uri="{FF2B5EF4-FFF2-40B4-BE49-F238E27FC236}">
@@ -7404,35 +8382,42 @@
           <a:bodyPr/>
           <a:lstStyle/>
           <a:p>
-            <a:endParaRPr lang="ru-RU" dirty="0"/>
-          </a:p>
-        </p:txBody>
-      </p:sp>
-      <p:sp>
-        <p:nvSpPr>
-          <p:cNvPr id="3" name="Объект 2">
+            <a:r>
+              <a:rPr lang="ru-RU" dirty="0"/>
+              <a:t>Многомерный массив</a:t>
+            </a:r>
+          </a:p>
+        </p:txBody>
+      </p:sp>
+      <p:pic>
+        <p:nvPicPr>
+          <p:cNvPr id="6" name="Объект 5">
             <a:extLst>
               <a:ext uri="{FF2B5EF4-FFF2-40B4-BE49-F238E27FC236}">
-                <a16:creationId xmlns:a16="http://schemas.microsoft.com/office/drawing/2014/main" id="{E0EAFC92-3438-4DF4-9A11-93877633E696}"/>
+                <a16:creationId xmlns:a16="http://schemas.microsoft.com/office/drawing/2014/main" id="{D9C6560E-B889-4B1C-9A40-E86FCCCF1413}"/>
               </a:ext>
             </a:extLst>
           </p:cNvPr>
-          <p:cNvSpPr>
-            <a:spLocks noGrp="1"/>
-          </p:cNvSpPr>
+          <p:cNvPicPr>
+            <a:picLocks noGrp="1" noChangeAspect="1"/>
+          </p:cNvPicPr>
           <p:nvPr>
             <p:ph idx="1"/>
           </p:nvPr>
-        </p:nvSpPr>
-        <p:spPr/>
-        <p:txBody>
-          <a:bodyPr/>
-          <a:lstStyle/>
-          <a:p>
-            <a:endParaRPr lang="ru-RU"/>
-          </a:p>
-        </p:txBody>
-      </p:sp>
+        </p:nvPicPr>
+        <p:blipFill>
+          <a:blip r:embed="rId2"/>
+          <a:stretch>
+            <a:fillRect/>
+          </a:stretch>
+        </p:blipFill>
+        <p:spPr>
+          <a:xfrm>
+            <a:off x="4915353" y="1447799"/>
+            <a:ext cx="6807490" cy="4720771"/>
+          </a:xfrm>
+        </p:spPr>
+      </p:pic>
       <p:sp>
         <p:nvSpPr>
           <p:cNvPr id="4" name="Текст 3">
@@ -7451,16 +8436,27 @@
         </p:nvSpPr>
         <p:spPr/>
         <p:txBody>
-          <a:bodyPr/>
+          <a:bodyPr>
+            <a:normAutofit lnSpcReduction="10000"/>
+          </a:bodyPr>
           <a:lstStyle/>
           <a:p>
-            <a:r>
-              <a:rPr lang="ru-RU"/>
-              <a:t>Сформировать </a:t>
-            </a:r>
+            <a:pPr>
+              <a:lnSpc>
+                <a:spcPct val="200000"/>
+              </a:lnSpc>
+            </a:pPr>
             <a:r>
               <a:rPr lang="ru-RU" dirty="0"/>
-              <a:t>два массива случайных целых чисел от 1 до 100. Перебором массива в цикле умножить первый элемент исходного первого массива на последний элемент исходного второго массива (и так далее по всем элементам).</a:t>
+              <a:t>Многомерный массив – массив, каждый элемент которого является массивом. Обращение к элементу массива создаётся при помощи двойного индекса</a:t>
+            </a:r>
+            <a:r>
+              <a:rPr lang="en-US" dirty="0"/>
+              <a:t>. </a:t>
+            </a:r>
+            <a:r>
+              <a:rPr lang="ru-RU" dirty="0"/>
+              <a:t>Как и в обычном массиве можно хранить разнотипные данные</a:t>
             </a:r>
           </a:p>
         </p:txBody>
@@ -7469,6 +8465,372 @@
     <p:extLst>
       <p:ext uri="{BB962C8B-B14F-4D97-AF65-F5344CB8AC3E}">
         <p14:creationId xmlns:p14="http://schemas.microsoft.com/office/powerpoint/2010/main" val="2929996398"/>
+      </p:ext>
+    </p:extLst>
+  </p:cSld>
+  <p:clrMapOvr>
+    <a:masterClrMapping/>
+  </p:clrMapOvr>
+</p:sld>
+</file>
+
+<file path=ppt/slides/slide8.xml><?xml version="1.0" encoding="utf-8"?>
+<p:sld xmlns:a="http://schemas.openxmlformats.org/drawingml/2006/main" xmlns:r="http://schemas.openxmlformats.org/officeDocument/2006/relationships" xmlns:p="http://schemas.openxmlformats.org/presentationml/2006/main">
+  <p:cSld>
+    <p:spTree>
+      <p:nvGrpSpPr>
+        <p:cNvPr id="1" name=""/>
+        <p:cNvGrpSpPr/>
+        <p:nvPr/>
+      </p:nvGrpSpPr>
+      <p:grpSpPr>
+        <a:xfrm>
+          <a:off x="0" y="0"/>
+          <a:ext cx="0" cy="0"/>
+          <a:chOff x="0" y="0"/>
+          <a:chExt cx="0" cy="0"/>
+        </a:xfrm>
+      </p:grpSpPr>
+      <p:sp>
+        <p:nvSpPr>
+          <p:cNvPr id="2" name="Заголовок 1">
+            <a:extLst>
+              <a:ext uri="{FF2B5EF4-FFF2-40B4-BE49-F238E27FC236}">
+                <a16:creationId xmlns:a16="http://schemas.microsoft.com/office/drawing/2014/main" id="{F017316D-DA5C-47A9-8C10-18123945FED5}"/>
+              </a:ext>
+            </a:extLst>
+          </p:cNvPr>
+          <p:cNvSpPr>
+            <a:spLocks noGrp="1"/>
+          </p:cNvSpPr>
+          <p:nvPr>
+            <p:ph type="title"/>
+          </p:nvPr>
+        </p:nvSpPr>
+        <p:spPr/>
+        <p:txBody>
+          <a:bodyPr/>
+          <a:lstStyle/>
+          <a:p>
+            <a:r>
+              <a:rPr lang="ru-RU" dirty="0"/>
+              <a:t>Транспонирование многомерного массива</a:t>
+            </a:r>
+          </a:p>
+        </p:txBody>
+      </p:sp>
+      <p:pic>
+        <p:nvPicPr>
+          <p:cNvPr id="6" name="Объект 5">
+            <a:extLst>
+              <a:ext uri="{FF2B5EF4-FFF2-40B4-BE49-F238E27FC236}">
+                <a16:creationId xmlns:a16="http://schemas.microsoft.com/office/drawing/2014/main" id="{AEB5A229-6B76-448D-81ED-55645B7E5B08}"/>
+              </a:ext>
+            </a:extLst>
+          </p:cNvPr>
+          <p:cNvPicPr>
+            <a:picLocks noGrp="1" noChangeAspect="1"/>
+          </p:cNvPicPr>
+          <p:nvPr>
+            <p:ph idx="1"/>
+          </p:nvPr>
+        </p:nvPicPr>
+        <p:blipFill>
+          <a:blip r:embed="rId2"/>
+          <a:stretch>
+            <a:fillRect/>
+          </a:stretch>
+        </p:blipFill>
+        <p:spPr>
+          <a:xfrm>
+            <a:off x="4683593" y="2195072"/>
+            <a:ext cx="3149306" cy="3171801"/>
+          </a:xfrm>
+        </p:spPr>
+      </p:pic>
+      <p:sp>
+        <p:nvSpPr>
+          <p:cNvPr id="4" name="Текст 3">
+            <a:extLst>
+              <a:ext uri="{FF2B5EF4-FFF2-40B4-BE49-F238E27FC236}">
+                <a16:creationId xmlns:a16="http://schemas.microsoft.com/office/drawing/2014/main" id="{48E47081-002C-4EDE-A9EB-7C862E43722A}"/>
+              </a:ext>
+            </a:extLst>
+          </p:cNvPr>
+          <p:cNvSpPr>
+            <a:spLocks noGrp="1"/>
+          </p:cNvSpPr>
+          <p:nvPr>
+            <p:ph type="body" sz="half" idx="2"/>
+          </p:nvPr>
+        </p:nvSpPr>
+        <p:spPr/>
+        <p:txBody>
+          <a:bodyPr>
+            <a:normAutofit/>
+          </a:bodyPr>
+          <a:lstStyle/>
+          <a:p>
+            <a:pPr>
+              <a:lnSpc>
+                <a:spcPct val="200000"/>
+              </a:lnSpc>
+            </a:pPr>
+            <a:r>
+              <a:rPr lang="ru-RU" sz="1600" dirty="0"/>
+              <a:t>Транспонирование многомерного массива представляет из себя замену строк и столбцов многомерного массива</a:t>
+            </a:r>
+          </a:p>
+        </p:txBody>
+      </p:sp>
+      <p:sp>
+        <p:nvSpPr>
+          <p:cNvPr id="7" name="Стрелка: вправо 6">
+            <a:extLst>
+              <a:ext uri="{FF2B5EF4-FFF2-40B4-BE49-F238E27FC236}">
+                <a16:creationId xmlns:a16="http://schemas.microsoft.com/office/drawing/2014/main" id="{89392A84-6C5D-4BEB-9A36-F76B59797C65}"/>
+              </a:ext>
+            </a:extLst>
+          </p:cNvPr>
+          <p:cNvSpPr/>
+          <p:nvPr/>
+        </p:nvSpPr>
+        <p:spPr>
+          <a:xfrm>
+            <a:off x="7960475" y="3429000"/>
+            <a:ext cx="370725" cy="635000"/>
+          </a:xfrm>
+          <a:prstGeom prst="rightArrow">
+            <a:avLst/>
+          </a:prstGeom>
+        </p:spPr>
+        <p:style>
+          <a:lnRef idx="2">
+            <a:schemeClr val="accent1">
+              <a:shade val="50000"/>
+            </a:schemeClr>
+          </a:lnRef>
+          <a:fillRef idx="1">
+            <a:schemeClr val="accent1"/>
+          </a:fillRef>
+          <a:effectRef idx="0">
+            <a:schemeClr val="accent1"/>
+          </a:effectRef>
+          <a:fontRef idx="minor">
+            <a:schemeClr val="lt1"/>
+          </a:fontRef>
+        </p:style>
+        <p:txBody>
+          <a:bodyPr rtlCol="0" anchor="ctr"/>
+          <a:lstStyle/>
+          <a:p>
+            <a:pPr algn="ctr"/>
+            <a:endParaRPr lang="ru-RU"/>
+          </a:p>
+        </p:txBody>
+      </p:sp>
+      <p:pic>
+        <p:nvPicPr>
+          <p:cNvPr id="9" name="Рисунок 8">
+            <a:extLst>
+              <a:ext uri="{FF2B5EF4-FFF2-40B4-BE49-F238E27FC236}">
+                <a16:creationId xmlns:a16="http://schemas.microsoft.com/office/drawing/2014/main" id="{9EFD06A5-89BE-41D2-B414-E61479ACCC10}"/>
+              </a:ext>
+            </a:extLst>
+          </p:cNvPr>
+          <p:cNvPicPr>
+            <a:picLocks noChangeAspect="1"/>
+          </p:cNvPicPr>
+          <p:nvPr/>
+        </p:nvPicPr>
+        <p:blipFill>
+          <a:blip r:embed="rId3"/>
+          <a:stretch>
+            <a:fillRect/>
+          </a:stretch>
+        </p:blipFill>
+        <p:spPr>
+          <a:xfrm>
+            <a:off x="8458776" y="2195072"/>
+            <a:ext cx="3149306" cy="3209724"/>
+          </a:xfrm>
+          <a:prstGeom prst="rect">
+            <a:avLst/>
+          </a:prstGeom>
+        </p:spPr>
+      </p:pic>
+    </p:spTree>
+    <p:extLst>
+      <p:ext uri="{BB962C8B-B14F-4D97-AF65-F5344CB8AC3E}">
+        <p14:creationId xmlns:p14="http://schemas.microsoft.com/office/powerpoint/2010/main" val="2689407651"/>
+      </p:ext>
+    </p:extLst>
+  </p:cSld>
+  <p:clrMapOvr>
+    <a:masterClrMapping/>
+  </p:clrMapOvr>
+</p:sld>
+</file>
+
+<file path=ppt/slides/slide9.xml><?xml version="1.0" encoding="utf-8"?>
+<p:sld xmlns:a="http://schemas.openxmlformats.org/drawingml/2006/main" xmlns:r="http://schemas.openxmlformats.org/officeDocument/2006/relationships" xmlns:p="http://schemas.openxmlformats.org/presentationml/2006/main">
+  <p:cSld>
+    <p:spTree>
+      <p:nvGrpSpPr>
+        <p:cNvPr id="1" name=""/>
+        <p:cNvGrpSpPr/>
+        <p:nvPr/>
+      </p:nvGrpSpPr>
+      <p:grpSpPr>
+        <a:xfrm>
+          <a:off x="0" y="0"/>
+          <a:ext cx="0" cy="0"/>
+          <a:chOff x="0" y="0"/>
+          <a:chExt cx="0" cy="0"/>
+        </a:xfrm>
+      </p:grpSpPr>
+      <p:sp>
+        <p:nvSpPr>
+          <p:cNvPr id="2" name="Заголовок 1">
+            <a:extLst>
+              <a:ext uri="{FF2B5EF4-FFF2-40B4-BE49-F238E27FC236}">
+                <a16:creationId xmlns:a16="http://schemas.microsoft.com/office/drawing/2014/main" id="{F017316D-DA5C-47A9-8C10-18123945FED5}"/>
+              </a:ext>
+            </a:extLst>
+          </p:cNvPr>
+          <p:cNvSpPr>
+            <a:spLocks noGrp="1"/>
+          </p:cNvSpPr>
+          <p:nvPr>
+            <p:ph type="title"/>
+          </p:nvPr>
+        </p:nvSpPr>
+        <p:spPr/>
+        <p:txBody>
+          <a:bodyPr/>
+          <a:lstStyle/>
+          <a:p>
+            <a:r>
+              <a:rPr lang="ru-RU" dirty="0"/>
+              <a:t>Диагональные элементы многомерного массива</a:t>
+            </a:r>
+          </a:p>
+        </p:txBody>
+      </p:sp>
+      <p:sp>
+        <p:nvSpPr>
+          <p:cNvPr id="4" name="Текст 3">
+            <a:extLst>
+              <a:ext uri="{FF2B5EF4-FFF2-40B4-BE49-F238E27FC236}">
+                <a16:creationId xmlns:a16="http://schemas.microsoft.com/office/drawing/2014/main" id="{48E47081-002C-4EDE-A9EB-7C862E43722A}"/>
+              </a:ext>
+            </a:extLst>
+          </p:cNvPr>
+          <p:cNvSpPr>
+            <a:spLocks noGrp="1"/>
+          </p:cNvSpPr>
+          <p:nvPr>
+            <p:ph type="body" sz="half" idx="2"/>
+          </p:nvPr>
+        </p:nvSpPr>
+        <p:spPr/>
+        <p:txBody>
+          <a:bodyPr>
+            <a:normAutofit fontScale="85000" lnSpcReduction="10000"/>
+          </a:bodyPr>
+          <a:lstStyle/>
+          <a:p>
+            <a:pPr>
+              <a:lnSpc>
+                <a:spcPct val="200000"/>
+              </a:lnSpc>
+            </a:pPr>
+            <a:r>
+              <a:rPr lang="ru-RU" sz="1600" dirty="0"/>
+              <a:t>Диагональные элементы массива – элементы, которые видны по диагонали, проводимой от верхнего левого к нижнему правому элементу. Идентифицируются одинаковыми индексами</a:t>
+            </a:r>
+          </a:p>
+        </p:txBody>
+      </p:sp>
+      <p:sp>
+        <p:nvSpPr>
+          <p:cNvPr id="7" name="Стрелка: вправо 6">
+            <a:extLst>
+              <a:ext uri="{FF2B5EF4-FFF2-40B4-BE49-F238E27FC236}">
+                <a16:creationId xmlns:a16="http://schemas.microsoft.com/office/drawing/2014/main" id="{89392A84-6C5D-4BEB-9A36-F76B59797C65}"/>
+              </a:ext>
+            </a:extLst>
+          </p:cNvPr>
+          <p:cNvSpPr/>
+          <p:nvPr/>
+        </p:nvSpPr>
+        <p:spPr>
+          <a:xfrm>
+            <a:off x="7960475" y="3429000"/>
+            <a:ext cx="370725" cy="635000"/>
+          </a:xfrm>
+          <a:prstGeom prst="rightArrow">
+            <a:avLst/>
+          </a:prstGeom>
+        </p:spPr>
+        <p:style>
+          <a:lnRef idx="2">
+            <a:schemeClr val="accent1">
+              <a:shade val="50000"/>
+            </a:schemeClr>
+          </a:lnRef>
+          <a:fillRef idx="1">
+            <a:schemeClr val="accent1"/>
+          </a:fillRef>
+          <a:effectRef idx="0">
+            <a:schemeClr val="accent1"/>
+          </a:effectRef>
+          <a:fontRef idx="minor">
+            <a:schemeClr val="lt1"/>
+          </a:fontRef>
+        </p:style>
+        <p:txBody>
+          <a:bodyPr rtlCol="0" anchor="ctr"/>
+          <a:lstStyle/>
+          <a:p>
+            <a:pPr algn="ctr"/>
+            <a:endParaRPr lang="ru-RU"/>
+          </a:p>
+        </p:txBody>
+      </p:sp>
+      <p:pic>
+        <p:nvPicPr>
+          <p:cNvPr id="10" name="Объект 9">
+            <a:extLst>
+              <a:ext uri="{FF2B5EF4-FFF2-40B4-BE49-F238E27FC236}">
+                <a16:creationId xmlns:a16="http://schemas.microsoft.com/office/drawing/2014/main" id="{AC4F9669-7660-4A72-9A80-380D212A23DF}"/>
+              </a:ext>
+            </a:extLst>
+          </p:cNvPr>
+          <p:cNvPicPr>
+            <a:picLocks noGrp="1" noChangeAspect="1"/>
+          </p:cNvPicPr>
+          <p:nvPr>
+            <p:ph idx="1"/>
+          </p:nvPr>
+        </p:nvPicPr>
+        <p:blipFill>
+          <a:blip r:embed="rId2"/>
+          <a:stretch>
+            <a:fillRect/>
+          </a:stretch>
+        </p:blipFill>
+        <p:spPr>
+          <a:xfrm>
+            <a:off x="5030028" y="1666648"/>
+            <a:ext cx="6231618" cy="4159704"/>
+          </a:xfrm>
+        </p:spPr>
+      </p:pic>
+    </p:spTree>
+    <p:extLst>
+      <p:ext uri="{BB962C8B-B14F-4D97-AF65-F5344CB8AC3E}">
+        <p14:creationId xmlns:p14="http://schemas.microsoft.com/office/powerpoint/2010/main" val="818551488"/>
       </p:ext>
     </p:extLst>
   </p:cSld>

--- a/массивы.pptx
+++ b/массивы.pptx
@@ -307,7 +307,7 @@
           <a:p>
             <a:fld id="{D7E27BA0-FE45-4285-80D4-97D1641B4004}" type="datetimeFigureOut">
               <a:rPr lang="ru-RU" smtClean="0"/>
-              <a:t>05.05.2021</a:t>
+              <a:t>06.05.2021</a:t>
             </a:fld>
             <a:endParaRPr lang="ru-RU"/>
           </a:p>
@@ -582,7 +582,7 @@
           <a:p>
             <a:fld id="{D7E27BA0-FE45-4285-80D4-97D1641B4004}" type="datetimeFigureOut">
               <a:rPr lang="ru-RU" smtClean="0"/>
-              <a:t>05.05.2021</a:t>
+              <a:t>06.05.2021</a:t>
             </a:fld>
             <a:endParaRPr lang="ru-RU"/>
           </a:p>
@@ -776,7 +776,7 @@
           <a:p>
             <a:fld id="{D7E27BA0-FE45-4285-80D4-97D1641B4004}" type="datetimeFigureOut">
               <a:rPr lang="ru-RU" smtClean="0"/>
-              <a:t>05.05.2021</a:t>
+              <a:t>06.05.2021</a:t>
             </a:fld>
             <a:endParaRPr lang="ru-RU"/>
           </a:p>
@@ -1049,7 +1049,7 @@
           <a:p>
             <a:fld id="{D7E27BA0-FE45-4285-80D4-97D1641B4004}" type="datetimeFigureOut">
               <a:rPr lang="ru-RU" smtClean="0"/>
-              <a:t>05.05.2021</a:t>
+              <a:t>06.05.2021</a:t>
             </a:fld>
             <a:endParaRPr lang="ru-RU"/>
           </a:p>
@@ -1390,7 +1390,7 @@
           <a:p>
             <a:fld id="{D7E27BA0-FE45-4285-80D4-97D1641B4004}" type="datetimeFigureOut">
               <a:rPr lang="ru-RU" smtClean="0"/>
-              <a:t>05.05.2021</a:t>
+              <a:t>06.05.2021</a:t>
             </a:fld>
             <a:endParaRPr lang="ru-RU"/>
           </a:p>
@@ -2013,7 +2013,7 @@
           <a:p>
             <a:fld id="{D7E27BA0-FE45-4285-80D4-97D1641B4004}" type="datetimeFigureOut">
               <a:rPr lang="ru-RU" smtClean="0"/>
-              <a:t>05.05.2021</a:t>
+              <a:t>06.05.2021</a:t>
             </a:fld>
             <a:endParaRPr lang="ru-RU"/>
           </a:p>
@@ -2873,7 +2873,7 @@
           <a:p>
             <a:fld id="{D7E27BA0-FE45-4285-80D4-97D1641B4004}" type="datetimeFigureOut">
               <a:rPr lang="ru-RU" smtClean="0"/>
-              <a:t>05.05.2021</a:t>
+              <a:t>06.05.2021</a:t>
             </a:fld>
             <a:endParaRPr lang="ru-RU"/>
           </a:p>
@@ -3043,7 +3043,7 @@
           <a:p>
             <a:fld id="{D7E27BA0-FE45-4285-80D4-97D1641B4004}" type="datetimeFigureOut">
               <a:rPr lang="ru-RU" smtClean="0"/>
-              <a:t>05.05.2021</a:t>
+              <a:t>06.05.2021</a:t>
             </a:fld>
             <a:endParaRPr lang="ru-RU"/>
           </a:p>
@@ -3223,7 +3223,7 @@
           <a:p>
             <a:fld id="{D7E27BA0-FE45-4285-80D4-97D1641B4004}" type="datetimeFigureOut">
               <a:rPr lang="ru-RU" smtClean="0"/>
-              <a:t>05.05.2021</a:t>
+              <a:t>06.05.2021</a:t>
             </a:fld>
             <a:endParaRPr lang="ru-RU"/>
           </a:p>
@@ -3393,7 +3393,7 @@
           <a:p>
             <a:fld id="{D7E27BA0-FE45-4285-80D4-97D1641B4004}" type="datetimeFigureOut">
               <a:rPr lang="ru-RU" smtClean="0"/>
-              <a:t>05.05.2021</a:t>
+              <a:t>06.05.2021</a:t>
             </a:fld>
             <a:endParaRPr lang="ru-RU"/>
           </a:p>
@@ -3640,7 +3640,7 @@
           <a:p>
             <a:fld id="{D7E27BA0-FE45-4285-80D4-97D1641B4004}" type="datetimeFigureOut">
               <a:rPr lang="ru-RU" smtClean="0"/>
-              <a:t>05.05.2021</a:t>
+              <a:t>06.05.2021</a:t>
             </a:fld>
             <a:endParaRPr lang="ru-RU"/>
           </a:p>
@@ -3932,7 +3932,7 @@
           <a:p>
             <a:fld id="{D7E27BA0-FE45-4285-80D4-97D1641B4004}" type="datetimeFigureOut">
               <a:rPr lang="ru-RU" smtClean="0"/>
-              <a:t>05.05.2021</a:t>
+              <a:t>06.05.2021</a:t>
             </a:fld>
             <a:endParaRPr lang="ru-RU"/>
           </a:p>
@@ -4376,7 +4376,7 @@
           <a:p>
             <a:fld id="{D7E27BA0-FE45-4285-80D4-97D1641B4004}" type="datetimeFigureOut">
               <a:rPr lang="ru-RU" smtClean="0"/>
-              <a:t>05.05.2021</a:t>
+              <a:t>06.05.2021</a:t>
             </a:fld>
             <a:endParaRPr lang="ru-RU"/>
           </a:p>
@@ -4494,7 +4494,7 @@
           <a:p>
             <a:fld id="{D7E27BA0-FE45-4285-80D4-97D1641B4004}" type="datetimeFigureOut">
               <a:rPr lang="ru-RU" smtClean="0"/>
-              <a:t>05.05.2021</a:t>
+              <a:t>06.05.2021</a:t>
             </a:fld>
             <a:endParaRPr lang="ru-RU"/>
           </a:p>
@@ -4589,7 +4589,7 @@
           <a:p>
             <a:fld id="{D7E27BA0-FE45-4285-80D4-97D1641B4004}" type="datetimeFigureOut">
               <a:rPr lang="ru-RU" smtClean="0"/>
-              <a:t>05.05.2021</a:t>
+              <a:t>06.05.2021</a:t>
             </a:fld>
             <a:endParaRPr lang="ru-RU"/>
           </a:p>
@@ -4868,7 +4868,7 @@
           <a:p>
             <a:fld id="{D7E27BA0-FE45-4285-80D4-97D1641B4004}" type="datetimeFigureOut">
               <a:rPr lang="ru-RU" smtClean="0"/>
-              <a:t>05.05.2021</a:t>
+              <a:t>06.05.2021</a:t>
             </a:fld>
             <a:endParaRPr lang="ru-RU"/>
           </a:p>
@@ -5143,7 +5143,7 @@
           <a:p>
             <a:fld id="{D7E27BA0-FE45-4285-80D4-97D1641B4004}" type="datetimeFigureOut">
               <a:rPr lang="ru-RU" smtClean="0"/>
-              <a:t>05.05.2021</a:t>
+              <a:t>06.05.2021</a:t>
             </a:fld>
             <a:endParaRPr lang="ru-RU"/>
           </a:p>
@@ -5572,7 +5572,7 @@
           <a:p>
             <a:fld id="{D7E27BA0-FE45-4285-80D4-97D1641B4004}" type="datetimeFigureOut">
               <a:rPr lang="ru-RU" smtClean="0"/>
-              <a:t>05.05.2021</a:t>
+              <a:t>06.05.2021</a:t>
             </a:fld>
             <a:endParaRPr lang="ru-RU"/>
           </a:p>
